--- a/RatingRefiner Presentation.pptx
+++ b/RatingRefiner Presentation.pptx
@@ -15,9 +15,11 @@
     <p:sldId id="270" r:id="rId9"/>
     <p:sldId id="259" r:id="rId10"/>
     <p:sldId id="260" r:id="rId11"/>
-    <p:sldId id="261" r:id="rId12"/>
-    <p:sldId id="266" r:id="rId13"/>
-    <p:sldId id="262" r:id="rId14"/>
+    <p:sldId id="271" r:id="rId12"/>
+    <p:sldId id="261" r:id="rId13"/>
+    <p:sldId id="272" r:id="rId14"/>
+    <p:sldId id="266" r:id="rId15"/>
+    <p:sldId id="262" r:id="rId16"/>
   </p:sldIdLst>
   <p:sldSz cx="12192000" cy="6858000"/>
   <p:notesSz cx="6858000" cy="9144000"/>
@@ -13919,12 +13921,130 @@
           </a:p>
         </p:txBody>
       </p:sp>
+    </p:spTree>
+    <p:extLst>
+      <p:ext uri="{BB962C8B-B14F-4D97-AF65-F5344CB8AC3E}">
+        <p14:creationId xmlns:p14="http://schemas.microsoft.com/office/powerpoint/2010/main" val="2542396612"/>
+      </p:ext>
+    </p:extLst>
+  </p:cSld>
+  <p:clrMapOvr>
+    <a:masterClrMapping/>
+  </p:clrMapOvr>
+</p:sld>
+</file>
+
+<file path=ppt/slides/slide11.xml><?xml version="1.0" encoding="utf-8"?>
+<p:sld xmlns:a="http://schemas.openxmlformats.org/drawingml/2006/main" xmlns:r="http://schemas.openxmlformats.org/officeDocument/2006/relationships" xmlns:p="http://schemas.openxmlformats.org/presentationml/2006/main">
+  <p:cSld>
+    <p:spTree>
+      <p:nvGrpSpPr>
+        <p:cNvPr id="1" name="">
+          <a:extLst>
+            <a:ext uri="{FF2B5EF4-FFF2-40B4-BE49-F238E27FC236}">
+              <a16:creationId xmlns:a16="http://schemas.microsoft.com/office/drawing/2014/main" id="{8A07FD27-8D4C-C05C-A5CD-AE0ACC4EF771}"/>
+            </a:ext>
+          </a:extLst>
+        </p:cNvPr>
+        <p:cNvGrpSpPr/>
+        <p:nvPr/>
+      </p:nvGrpSpPr>
+      <p:grpSpPr>
+        <a:xfrm>
+          <a:off x="0" y="0"/>
+          <a:ext cx="0" cy="0"/>
+          <a:chOff x="0" y="0"/>
+          <a:chExt cx="0" cy="0"/>
+        </a:xfrm>
+      </p:grpSpPr>
+      <p:sp>
+        <p:nvSpPr>
+          <p:cNvPr id="2" name="Title 1">
+            <a:extLst>
+              <a:ext uri="{FF2B5EF4-FFF2-40B4-BE49-F238E27FC236}">
+                <a16:creationId xmlns:a16="http://schemas.microsoft.com/office/drawing/2014/main" id="{0F443730-4422-F56C-6BEC-384F666186D6}"/>
+              </a:ext>
+            </a:extLst>
+          </p:cNvPr>
+          <p:cNvSpPr>
+            <a:spLocks noGrp="1"/>
+          </p:cNvSpPr>
+          <p:nvPr>
+            <p:ph type="title"/>
+          </p:nvPr>
+        </p:nvSpPr>
+        <p:spPr/>
+        <p:txBody>
+          <a:bodyPr/>
+          <a:lstStyle/>
+          <a:p>
+            <a:r>
+              <a:rPr lang="en-US" dirty="0"/>
+              <a:t>Spam Detector</a:t>
+            </a:r>
+          </a:p>
+        </p:txBody>
+      </p:sp>
+      <p:sp>
+        <p:nvSpPr>
+          <p:cNvPr id="4" name="Text Placeholder 3">
+            <a:extLst>
+              <a:ext uri="{FF2B5EF4-FFF2-40B4-BE49-F238E27FC236}">
+                <a16:creationId xmlns:a16="http://schemas.microsoft.com/office/drawing/2014/main" id="{9425CCB0-C49B-AC40-F66B-9584925B674B}"/>
+              </a:ext>
+            </a:extLst>
+          </p:cNvPr>
+          <p:cNvSpPr>
+            <a:spLocks noGrp="1"/>
+          </p:cNvSpPr>
+          <p:nvPr>
+            <p:ph type="body" idx="1"/>
+          </p:nvPr>
+        </p:nvSpPr>
+        <p:spPr/>
+        <p:txBody>
+          <a:bodyPr/>
+          <a:lstStyle/>
+          <a:p>
+            <a:r>
+              <a:rPr lang="en-US"/>
+              <a:t>Process</a:t>
+            </a:r>
+            <a:endParaRPr lang="en-US" dirty="0"/>
+          </a:p>
+        </p:txBody>
+      </p:sp>
+      <p:sp>
+        <p:nvSpPr>
+          <p:cNvPr id="5" name="Content Placeholder 4">
+            <a:extLst>
+              <a:ext uri="{FF2B5EF4-FFF2-40B4-BE49-F238E27FC236}">
+                <a16:creationId xmlns:a16="http://schemas.microsoft.com/office/drawing/2014/main" id="{4300CF9B-5BCE-F98F-2382-2E215DC0C514}"/>
+              </a:ext>
+            </a:extLst>
+          </p:cNvPr>
+          <p:cNvSpPr>
+            <a:spLocks noGrp="1"/>
+          </p:cNvSpPr>
+          <p:nvPr>
+            <p:ph sz="half" idx="2"/>
+          </p:nvPr>
+        </p:nvSpPr>
+        <p:spPr/>
+        <p:txBody>
+          <a:bodyPr/>
+          <a:lstStyle/>
+          <a:p>
+            <a:endParaRPr lang="en-US" dirty="0"/>
+          </a:p>
+        </p:txBody>
+      </p:sp>
       <p:sp>
         <p:nvSpPr>
           <p:cNvPr id="6" name="Text Placeholder 5">
             <a:extLst>
               <a:ext uri="{FF2B5EF4-FFF2-40B4-BE49-F238E27FC236}">
-                <a16:creationId xmlns:a16="http://schemas.microsoft.com/office/drawing/2014/main" id="{9AA794DF-0A96-DBF9-8A47-654EDAF16AFA}"/>
+                <a16:creationId xmlns:a16="http://schemas.microsoft.com/office/drawing/2014/main" id="{99221C1F-7D90-74E7-C834-68087901216B}"/>
               </a:ext>
             </a:extLst>
           </p:cNvPr>
@@ -13940,10 +14060,7 @@
           <a:bodyPr/>
           <a:lstStyle/>
           <a:p>
-            <a:r>
-              <a:rPr lang="en-US" dirty="0"/>
-              <a:t>Obstacles</a:t>
-            </a:r>
+            <a:endParaRPr lang="en-US" dirty="0"/>
           </a:p>
         </p:txBody>
       </p:sp>
@@ -13952,7 +14069,7 @@
           <p:cNvPr id="7" name="Content Placeholder 6">
             <a:extLst>
               <a:ext uri="{FF2B5EF4-FFF2-40B4-BE49-F238E27FC236}">
-                <a16:creationId xmlns:a16="http://schemas.microsoft.com/office/drawing/2014/main" id="{72811FAB-D241-BCD2-D999-A8A1F63CD969}"/>
+                <a16:creationId xmlns:a16="http://schemas.microsoft.com/office/drawing/2014/main" id="{DC9F0171-8DEB-0767-82E1-386B0AAF3F1B}"/>
               </a:ext>
             </a:extLst>
           </p:cNvPr>
@@ -13975,7 +14092,7 @@
     </p:spTree>
     <p:extLst>
       <p:ext uri="{BB962C8B-B14F-4D97-AF65-F5344CB8AC3E}">
-        <p14:creationId xmlns:p14="http://schemas.microsoft.com/office/powerpoint/2010/main" val="2542396612"/>
+        <p14:creationId xmlns:p14="http://schemas.microsoft.com/office/powerpoint/2010/main" val="3925088840"/>
       </p:ext>
     </p:extLst>
   </p:cSld>
@@ -13985,7 +14102,7 @@
 </p:sld>
 </file>
 
-<file path=ppt/slides/slide11.xml><?xml version="1.0" encoding="utf-8"?>
+<file path=ppt/slides/slide12.xml><?xml version="1.0" encoding="utf-8"?>
 <p:sld xmlns:a="http://schemas.openxmlformats.org/drawingml/2006/main" xmlns:r="http://schemas.openxmlformats.org/officeDocument/2006/relationships" xmlns:p="http://schemas.openxmlformats.org/presentationml/2006/main">
   <p:cSld>
     <p:spTree>
@@ -14071,7 +14188,99 @@
 </p:sld>
 </file>
 
-<file path=ppt/slides/slide12.xml><?xml version="1.0" encoding="utf-8"?>
+<file path=ppt/slides/slide13.xml><?xml version="1.0" encoding="utf-8"?>
+<p:sld xmlns:a="http://schemas.openxmlformats.org/drawingml/2006/main" xmlns:r="http://schemas.openxmlformats.org/officeDocument/2006/relationships" xmlns:p="http://schemas.openxmlformats.org/presentationml/2006/main">
+  <p:cSld>
+    <p:spTree>
+      <p:nvGrpSpPr>
+        <p:cNvPr id="1" name="">
+          <a:extLst>
+            <a:ext uri="{FF2B5EF4-FFF2-40B4-BE49-F238E27FC236}">
+              <a16:creationId xmlns:a16="http://schemas.microsoft.com/office/drawing/2014/main" id="{E78BACDC-218B-8AD9-F1B8-A9EB8040A33D}"/>
+            </a:ext>
+          </a:extLst>
+        </p:cNvPr>
+        <p:cNvGrpSpPr/>
+        <p:nvPr/>
+      </p:nvGrpSpPr>
+      <p:grpSpPr>
+        <a:xfrm>
+          <a:off x="0" y="0"/>
+          <a:ext cx="0" cy="0"/>
+          <a:chOff x="0" y="0"/>
+          <a:chExt cx="0" cy="0"/>
+        </a:xfrm>
+      </p:grpSpPr>
+      <p:sp>
+        <p:nvSpPr>
+          <p:cNvPr id="2" name="Title 1">
+            <a:extLst>
+              <a:ext uri="{FF2B5EF4-FFF2-40B4-BE49-F238E27FC236}">
+                <a16:creationId xmlns:a16="http://schemas.microsoft.com/office/drawing/2014/main" id="{440DC8C8-9262-D634-1B75-DA06CD22727F}"/>
+              </a:ext>
+            </a:extLst>
+          </p:cNvPr>
+          <p:cNvSpPr>
+            <a:spLocks noGrp="1"/>
+          </p:cNvSpPr>
+          <p:nvPr>
+            <p:ph type="title"/>
+          </p:nvPr>
+        </p:nvSpPr>
+        <p:spPr/>
+        <p:txBody>
+          <a:bodyPr/>
+          <a:lstStyle/>
+          <a:p>
+            <a:r>
+              <a:rPr lang="en-US" dirty="0"/>
+              <a:t>Results</a:t>
+            </a:r>
+          </a:p>
+        </p:txBody>
+      </p:sp>
+      <p:sp>
+        <p:nvSpPr>
+          <p:cNvPr id="3" name="Content Placeholder 2">
+            <a:extLst>
+              <a:ext uri="{FF2B5EF4-FFF2-40B4-BE49-F238E27FC236}">
+                <a16:creationId xmlns:a16="http://schemas.microsoft.com/office/drawing/2014/main" id="{DF5A7A92-8E98-8B18-DAE5-9EF6261CE88C}"/>
+              </a:ext>
+            </a:extLst>
+          </p:cNvPr>
+          <p:cNvSpPr>
+            <a:spLocks noGrp="1"/>
+          </p:cNvSpPr>
+          <p:nvPr>
+            <p:ph idx="1"/>
+          </p:nvPr>
+        </p:nvSpPr>
+        <p:spPr/>
+        <p:txBody>
+          <a:bodyPr/>
+          <a:lstStyle/>
+          <a:p>
+            <a:r>
+              <a:rPr lang="en-US" dirty="0"/>
+              <a:t>Andrews results (picture)</a:t>
+            </a:r>
+          </a:p>
+        </p:txBody>
+      </p:sp>
+    </p:spTree>
+    <p:extLst>
+      <p:ext uri="{BB962C8B-B14F-4D97-AF65-F5344CB8AC3E}">
+        <p14:creationId xmlns:p14="http://schemas.microsoft.com/office/powerpoint/2010/main" val="1541335738"/>
+      </p:ext>
+    </p:extLst>
+  </p:cSld>
+  <p:clrMapOvr>
+    <a:masterClrMapping/>
+  </p:clrMapOvr>
+</p:sld>
+</file>
+
+<file path=ppt/slides/slide14.xml><?xml version="1.0" encoding="utf-8"?>
 <p:sld xmlns:a="http://schemas.openxmlformats.org/drawingml/2006/main" xmlns:r="http://schemas.openxmlformats.org/officeDocument/2006/relationships" xmlns:p="http://schemas.openxmlformats.org/presentationml/2006/main">
   <p:cSld>
     <p:spTree>
@@ -14160,7 +14369,7 @@
 </p:sld>
 </file>
 
-<file path=ppt/slides/slide13.xml><?xml version="1.0" encoding="utf-8"?>
+<file path=ppt/slides/slide15.xml><?xml version="1.0" encoding="utf-8"?>
 <p:sld xmlns:a="http://schemas.openxmlformats.org/drawingml/2006/main" xmlns:r="http://schemas.openxmlformats.org/officeDocument/2006/relationships" xmlns:p="http://schemas.openxmlformats.org/presentationml/2006/main">
   <p:cSld>
     <p:spTree>

--- a/RatingRefiner Presentation.pptx
+++ b/RatingRefiner Presentation.pptx
@@ -118,6 +118,11 @@
       </a:defRPr>
     </a:lvl9pPr>
   </p:defaultTextStyle>
+  <p:extLst>
+    <p:ext uri="{EFAFB233-063F-42B5-8137-9DF3F51BA10A}">
+      <p15:sldGuideLst xmlns:p15="http://schemas.microsoft.com/office/powerpoint/2012/main"/>
+    </p:ext>
+  </p:extLst>
 </p:presentation>
 </file>
 
@@ -7950,7 +7955,7 @@
           <a:p>
             <a:fld id="{018C7ED8-DC3D-4D15-82CA-FCC2F76E8082}" type="datetimeFigureOut">
               <a:rPr lang="en-US" smtClean="0"/>
-              <a:t>2/10/2025</a:t>
+              <a:t>2/13/2025</a:t>
             </a:fld>
             <a:endParaRPr lang="en-US"/>
           </a:p>
@@ -8225,7 +8230,7 @@
           <a:p>
             <a:fld id="{018C7ED8-DC3D-4D15-82CA-FCC2F76E8082}" type="datetimeFigureOut">
               <a:rPr lang="en-US" smtClean="0"/>
-              <a:t>2/10/2025</a:t>
+              <a:t>2/13/2025</a:t>
             </a:fld>
             <a:endParaRPr lang="en-US"/>
           </a:p>
@@ -8419,7 +8424,7 @@
           <a:p>
             <a:fld id="{018C7ED8-DC3D-4D15-82CA-FCC2F76E8082}" type="datetimeFigureOut">
               <a:rPr lang="en-US" smtClean="0"/>
-              <a:t>2/10/2025</a:t>
+              <a:t>2/13/2025</a:t>
             </a:fld>
             <a:endParaRPr lang="en-US"/>
           </a:p>
@@ -8692,7 +8697,7 @@
           <a:p>
             <a:fld id="{018C7ED8-DC3D-4D15-82CA-FCC2F76E8082}" type="datetimeFigureOut">
               <a:rPr lang="en-US" smtClean="0"/>
-              <a:t>2/10/2025</a:t>
+              <a:t>2/13/2025</a:t>
             </a:fld>
             <a:endParaRPr lang="en-US"/>
           </a:p>
@@ -9033,7 +9038,7 @@
           <a:p>
             <a:fld id="{018C7ED8-DC3D-4D15-82CA-FCC2F76E8082}" type="datetimeFigureOut">
               <a:rPr lang="en-US" smtClean="0"/>
-              <a:t>2/10/2025</a:t>
+              <a:t>2/13/2025</a:t>
             </a:fld>
             <a:endParaRPr lang="en-US"/>
           </a:p>
@@ -9656,7 +9661,7 @@
           <a:p>
             <a:fld id="{018C7ED8-DC3D-4D15-82CA-FCC2F76E8082}" type="datetimeFigureOut">
               <a:rPr lang="en-US" smtClean="0"/>
-              <a:t>2/10/2025</a:t>
+              <a:t>2/13/2025</a:t>
             </a:fld>
             <a:endParaRPr lang="en-US"/>
           </a:p>
@@ -10516,7 +10521,7 @@
           <a:p>
             <a:fld id="{018C7ED8-DC3D-4D15-82CA-FCC2F76E8082}" type="datetimeFigureOut">
               <a:rPr lang="en-US" smtClean="0"/>
-              <a:t>2/10/2025</a:t>
+              <a:t>2/13/2025</a:t>
             </a:fld>
             <a:endParaRPr lang="en-US"/>
           </a:p>
@@ -10686,7 +10691,7 @@
           <a:p>
             <a:fld id="{018C7ED8-DC3D-4D15-82CA-FCC2F76E8082}" type="datetimeFigureOut">
               <a:rPr lang="en-US" smtClean="0"/>
-              <a:t>2/10/2025</a:t>
+              <a:t>2/13/2025</a:t>
             </a:fld>
             <a:endParaRPr lang="en-US"/>
           </a:p>
@@ -10866,7 +10871,7 @@
           <a:p>
             <a:fld id="{018C7ED8-DC3D-4D15-82CA-FCC2F76E8082}" type="datetimeFigureOut">
               <a:rPr lang="en-US" smtClean="0"/>
-              <a:t>2/10/2025</a:t>
+              <a:t>2/13/2025</a:t>
             </a:fld>
             <a:endParaRPr lang="en-US"/>
           </a:p>
@@ -11036,7 +11041,7 @@
           <a:p>
             <a:fld id="{018C7ED8-DC3D-4D15-82CA-FCC2F76E8082}" type="datetimeFigureOut">
               <a:rPr lang="en-US" smtClean="0"/>
-              <a:t>2/10/2025</a:t>
+              <a:t>2/13/2025</a:t>
             </a:fld>
             <a:endParaRPr lang="en-US"/>
           </a:p>
@@ -11283,7 +11288,7 @@
           <a:p>
             <a:fld id="{018C7ED8-DC3D-4D15-82CA-FCC2F76E8082}" type="datetimeFigureOut">
               <a:rPr lang="en-US" smtClean="0"/>
-              <a:t>2/10/2025</a:t>
+              <a:t>2/13/2025</a:t>
             </a:fld>
             <a:endParaRPr lang="en-US"/>
           </a:p>
@@ -11575,7 +11580,7 @@
           <a:p>
             <a:fld id="{018C7ED8-DC3D-4D15-82CA-FCC2F76E8082}" type="datetimeFigureOut">
               <a:rPr lang="en-US" smtClean="0"/>
-              <a:t>2/10/2025</a:t>
+              <a:t>2/13/2025</a:t>
             </a:fld>
             <a:endParaRPr lang="en-US"/>
           </a:p>
@@ -12019,7 +12024,7 @@
           <a:p>
             <a:fld id="{018C7ED8-DC3D-4D15-82CA-FCC2F76E8082}" type="datetimeFigureOut">
               <a:rPr lang="en-US" smtClean="0"/>
-              <a:t>2/10/2025</a:t>
+              <a:t>2/13/2025</a:t>
             </a:fld>
             <a:endParaRPr lang="en-US"/>
           </a:p>
@@ -12137,7 +12142,7 @@
           <a:p>
             <a:fld id="{018C7ED8-DC3D-4D15-82CA-FCC2F76E8082}" type="datetimeFigureOut">
               <a:rPr lang="en-US" smtClean="0"/>
-              <a:t>2/10/2025</a:t>
+              <a:t>2/13/2025</a:t>
             </a:fld>
             <a:endParaRPr lang="en-US"/>
           </a:p>
@@ -12232,7 +12237,7 @@
           <a:p>
             <a:fld id="{018C7ED8-DC3D-4D15-82CA-FCC2F76E8082}" type="datetimeFigureOut">
               <a:rPr lang="en-US" smtClean="0"/>
-              <a:t>2/10/2025</a:t>
+              <a:t>2/13/2025</a:t>
             </a:fld>
             <a:endParaRPr lang="en-US"/>
           </a:p>
@@ -12511,7 +12516,7 @@
           <a:p>
             <a:fld id="{018C7ED8-DC3D-4D15-82CA-FCC2F76E8082}" type="datetimeFigureOut">
               <a:rPr lang="en-US" smtClean="0"/>
-              <a:t>2/10/2025</a:t>
+              <a:t>2/13/2025</a:t>
             </a:fld>
             <a:endParaRPr lang="en-US"/>
           </a:p>
@@ -12786,7 +12791,7 @@
           <a:p>
             <a:fld id="{018C7ED8-DC3D-4D15-82CA-FCC2F76E8082}" type="datetimeFigureOut">
               <a:rPr lang="en-US" smtClean="0"/>
-              <a:t>2/10/2025</a:t>
+              <a:t>2/13/2025</a:t>
             </a:fld>
             <a:endParaRPr lang="en-US"/>
           </a:p>
@@ -13215,7 +13220,7 @@
           <a:p>
             <a:fld id="{018C7ED8-DC3D-4D15-82CA-FCC2F76E8082}" type="datetimeFigureOut">
               <a:rPr lang="en-US" smtClean="0"/>
-              <a:t>2/10/2025</a:t>
+              <a:t>2/13/2025</a:t>
             </a:fld>
             <a:endParaRPr lang="en-US"/>
           </a:p>
@@ -13921,6 +13926,59 @@
           </a:p>
         </p:txBody>
       </p:sp>
+      <p:sp>
+        <p:nvSpPr>
+          <p:cNvPr id="6" name="Text Placeholder 5">
+            <a:extLst>
+              <a:ext uri="{FF2B5EF4-FFF2-40B4-BE49-F238E27FC236}">
+                <a16:creationId xmlns:a16="http://schemas.microsoft.com/office/drawing/2014/main" id="{9AA794DF-0A96-DBF9-8A47-654EDAF16AFA}"/>
+              </a:ext>
+            </a:extLst>
+          </p:cNvPr>
+          <p:cNvSpPr>
+            <a:spLocks noGrp="1"/>
+          </p:cNvSpPr>
+          <p:nvPr>
+            <p:ph type="body" sz="quarter" idx="3"/>
+          </p:nvPr>
+        </p:nvSpPr>
+        <p:spPr/>
+        <p:txBody>
+          <a:bodyPr/>
+          <a:lstStyle/>
+          <a:p>
+            <a:r>
+              <a:rPr lang="en-US" dirty="0"/>
+              <a:t>Obstacles</a:t>
+            </a:r>
+          </a:p>
+        </p:txBody>
+      </p:sp>
+      <p:sp>
+        <p:nvSpPr>
+          <p:cNvPr id="7" name="Content Placeholder 6">
+            <a:extLst>
+              <a:ext uri="{FF2B5EF4-FFF2-40B4-BE49-F238E27FC236}">
+                <a16:creationId xmlns:a16="http://schemas.microsoft.com/office/drawing/2014/main" id="{72811FAB-D241-BCD2-D999-A8A1F63CD969}"/>
+              </a:ext>
+            </a:extLst>
+          </p:cNvPr>
+          <p:cNvSpPr>
+            <a:spLocks noGrp="1"/>
+          </p:cNvSpPr>
+          <p:nvPr>
+            <p:ph sz="quarter" idx="4"/>
+          </p:nvPr>
+        </p:nvSpPr>
+        <p:spPr/>
+        <p:txBody>
+          <a:bodyPr/>
+          <a:lstStyle/>
+          <a:p>
+            <a:endParaRPr lang="en-US" dirty="0"/>
+          </a:p>
+        </p:txBody>
+      </p:sp>
     </p:spTree>
     <p:extLst>
       <p:ext uri="{BB962C8B-B14F-4D97-AF65-F5344CB8AC3E}">
@@ -13998,7 +14056,7 @@
             <a:spLocks noGrp="1"/>
           </p:cNvSpPr>
           <p:nvPr>
-            <p:ph type="body" idx="1"/>
+            <p:ph idx="1"/>
           </p:nvPr>
         </p:nvSpPr>
         <p:spPr/>
@@ -14006,86 +14064,10 @@
           <a:bodyPr/>
           <a:lstStyle/>
           <a:p>
-            <a:r>
-              <a:rPr lang="en-US"/>
-              <a:t>Process</a:t>
-            </a:r>
+            <a:pPr marL="0" indent="0">
+              <a:buNone/>
+            </a:pPr>
             <a:endParaRPr lang="en-US" dirty="0"/>
-          </a:p>
-        </p:txBody>
-      </p:sp>
-      <p:sp>
-        <p:nvSpPr>
-          <p:cNvPr id="5" name="Content Placeholder 4">
-            <a:extLst>
-              <a:ext uri="{FF2B5EF4-FFF2-40B4-BE49-F238E27FC236}">
-                <a16:creationId xmlns:a16="http://schemas.microsoft.com/office/drawing/2014/main" id="{4300CF9B-5BCE-F98F-2382-2E215DC0C514}"/>
-              </a:ext>
-            </a:extLst>
-          </p:cNvPr>
-          <p:cNvSpPr>
-            <a:spLocks noGrp="1"/>
-          </p:cNvSpPr>
-          <p:nvPr>
-            <p:ph sz="half" idx="2"/>
-          </p:nvPr>
-        </p:nvSpPr>
-        <p:spPr/>
-        <p:txBody>
-          <a:bodyPr/>
-          <a:lstStyle/>
-          <a:p>
-            <a:endParaRPr lang="en-US" dirty="0"/>
-          </a:p>
-        </p:txBody>
-      </p:sp>
-      <p:sp>
-        <p:nvSpPr>
-          <p:cNvPr id="6" name="Text Placeholder 5">
-            <a:extLst>
-              <a:ext uri="{FF2B5EF4-FFF2-40B4-BE49-F238E27FC236}">
-                <a16:creationId xmlns:a16="http://schemas.microsoft.com/office/drawing/2014/main" id="{99221C1F-7D90-74E7-C834-68087901216B}"/>
-              </a:ext>
-            </a:extLst>
-          </p:cNvPr>
-          <p:cNvSpPr>
-            <a:spLocks noGrp="1"/>
-          </p:cNvSpPr>
-          <p:nvPr>
-            <p:ph type="body" sz="quarter" idx="3"/>
-          </p:nvPr>
-        </p:nvSpPr>
-        <p:spPr/>
-        <p:txBody>
-          <a:bodyPr/>
-          <a:lstStyle/>
-          <a:p>
-            <a:endParaRPr lang="en-US" dirty="0"/>
-          </a:p>
-        </p:txBody>
-      </p:sp>
-      <p:sp>
-        <p:nvSpPr>
-          <p:cNvPr id="7" name="Content Placeholder 6">
-            <a:extLst>
-              <a:ext uri="{FF2B5EF4-FFF2-40B4-BE49-F238E27FC236}">
-                <a16:creationId xmlns:a16="http://schemas.microsoft.com/office/drawing/2014/main" id="{DC9F0171-8DEB-0767-82E1-386B0AAF3F1B}"/>
-              </a:ext>
-            </a:extLst>
-          </p:cNvPr>
-          <p:cNvSpPr>
-            <a:spLocks noGrp="1"/>
-          </p:cNvSpPr>
-          <p:nvPr>
-            <p:ph sz="quarter" idx="4"/>
-          </p:nvPr>
-        </p:nvSpPr>
-        <p:spPr/>
-        <p:txBody>
-          <a:bodyPr/>
-          <a:lstStyle/>
-          <a:p>
-            <a:endParaRPr lang="en-US"/>
           </a:p>
         </p:txBody>
       </p:sp>
@@ -14168,10 +14150,10 @@
           <a:bodyPr/>
           <a:lstStyle/>
           <a:p>
-            <a:r>
-              <a:rPr lang="en-US" dirty="0"/>
-              <a:t>Andrews results (picture)</a:t>
-            </a:r>
+            <a:pPr marL="0" indent="0">
+              <a:buNone/>
+            </a:pPr>
+            <a:endParaRPr lang="en-US" dirty="0"/>
           </a:p>
         </p:txBody>
       </p:sp>
@@ -14260,10 +14242,10 @@
           <a:bodyPr/>
           <a:lstStyle/>
           <a:p>
-            <a:r>
-              <a:rPr lang="en-US" dirty="0"/>
-              <a:t>Andrews results (picture)</a:t>
-            </a:r>
+            <a:pPr marL="0" indent="0">
+              <a:buNone/>
+            </a:pPr>
+            <a:endParaRPr lang="en-US" dirty="0"/>
           </a:p>
         </p:txBody>
       </p:sp>
@@ -14655,15 +14637,6 @@
           <a:effectLst>
             <a:reflection blurRad="12700" stA="38000" endPos="28000" dist="5000" dir="5400000" sy="-100000" algn="bl" rotWithShape="0"/>
           </a:effectLst>
-          <a:extLst>
-            <a:ext uri="{909E8E84-426E-40DD-AFC4-6F175D3DCCD1}">
-              <a14:hiddenFill xmlns:a14="http://schemas.microsoft.com/office/drawing/2010/main">
-                <a:solidFill>
-                  <a:srgbClr val="FFFFFF"/>
-                </a:solidFill>
-              </a14:hiddenFill>
-            </a:ext>
-          </a:extLst>
         </p:spPr>
       </p:pic>
     </p:spTree>
@@ -14937,15 +14910,6 @@
           <a:effectLst>
             <a:reflection blurRad="12700" stA="38000" endPos="28000" dist="5000" dir="5400000" sy="-100000" algn="bl" rotWithShape="0"/>
           </a:effectLst>
-          <a:extLst>
-            <a:ext uri="{909E8E84-426E-40DD-AFC4-6F175D3DCCD1}">
-              <a14:hiddenFill xmlns:a14="http://schemas.microsoft.com/office/drawing/2010/main">
-                <a:solidFill>
-                  <a:srgbClr val="FFFFFF"/>
-                </a:solidFill>
-              </a14:hiddenFill>
-            </a:ext>
-          </a:extLst>
         </p:spPr>
       </p:pic>
       <p:pic>
@@ -14996,15 +14960,6 @@
           <a:effectLst>
             <a:reflection blurRad="12700" stA="38000" endPos="28000" dist="5000" dir="5400000" sy="-100000" algn="bl" rotWithShape="0"/>
           </a:effectLst>
-          <a:extLst>
-            <a:ext uri="{909E8E84-426E-40DD-AFC4-6F175D3DCCD1}">
-              <a14:hiddenFill xmlns:a14="http://schemas.microsoft.com/office/drawing/2010/main">
-                <a:solidFill>
-                  <a:srgbClr val="FFFFFF"/>
-                </a:solidFill>
-              </a14:hiddenFill>
-            </a:ext>
-          </a:extLst>
         </p:spPr>
       </p:pic>
     </p:spTree>
@@ -15119,15 +15074,6 @@
           <a:effectLst>
             <a:reflection blurRad="12700" stA="38000" endPos="28000" dist="5000" dir="5400000" sy="-100000" algn="bl" rotWithShape="0"/>
           </a:effectLst>
-          <a:extLst>
-            <a:ext uri="{909E8E84-426E-40DD-AFC4-6F175D3DCCD1}">
-              <a14:hiddenFill xmlns:a14="http://schemas.microsoft.com/office/drawing/2010/main">
-                <a:solidFill>
-                  <a:srgbClr val="FFFFFF"/>
-                </a:solidFill>
-              </a14:hiddenFill>
-            </a:ext>
-          </a:extLst>
         </p:spPr>
       </p:pic>
       <p:pic>
@@ -15178,15 +15124,6 @@
           <a:effectLst>
             <a:reflection blurRad="12700" stA="38000" endPos="28000" dist="5000" dir="5400000" sy="-100000" algn="bl" rotWithShape="0"/>
           </a:effectLst>
-          <a:extLst>
-            <a:ext uri="{909E8E84-426E-40DD-AFC4-6F175D3DCCD1}">
-              <a14:hiddenFill xmlns:a14="http://schemas.microsoft.com/office/drawing/2010/main">
-                <a:solidFill>
-                  <a:srgbClr val="FFFFFF"/>
-                </a:solidFill>
-              </a14:hiddenFill>
-            </a:ext>
-          </a:extLst>
         </p:spPr>
       </p:pic>
     </p:spTree>
@@ -15576,15 +15513,6 @@
           <a:effectLst>
             <a:reflection blurRad="12700" stA="38000" endPos="28000" dist="5000" dir="5400000" sy="-100000" algn="bl" rotWithShape="0"/>
           </a:effectLst>
-          <a:extLst>
-            <a:ext uri="{909E8E84-426E-40DD-AFC4-6F175D3DCCD1}">
-              <a14:hiddenFill xmlns:a14="http://schemas.microsoft.com/office/drawing/2010/main">
-                <a:solidFill>
-                  <a:srgbClr val="FFFFFF"/>
-                </a:solidFill>
-              </a14:hiddenFill>
-            </a:ext>
-          </a:extLst>
         </p:spPr>
       </p:pic>
     </p:spTree>
@@ -15785,15 +15713,6 @@
           <a:effectLst>
             <a:reflection blurRad="12700" stA="38000" endPos="28000" dist="5000" dir="5400000" sy="-100000" algn="bl" rotWithShape="0"/>
           </a:effectLst>
-          <a:extLst>
-            <a:ext uri="{909E8E84-426E-40DD-AFC4-6F175D3DCCD1}">
-              <a14:hiddenFill xmlns:a14="http://schemas.microsoft.com/office/drawing/2010/main">
-                <a:solidFill>
-                  <a:srgbClr val="FFFFFF"/>
-                </a:solidFill>
-              </a14:hiddenFill>
-            </a:ext>
-          </a:extLst>
         </p:spPr>
       </p:pic>
     </p:spTree>
